--- a/Telemetry.pptx
+++ b/Telemetry.pptx
@@ -5,7 +5,7 @@
     <p:sldMasterId id="2147483648" r:id="rId4"/>
   </p:sldMasterIdLst>
   <p:notesMasterIdLst>
-    <p:notesMasterId r:id="rId18"/>
+    <p:notesMasterId r:id="rId19"/>
   </p:notesMasterIdLst>
   <p:sldIdLst>
     <p:sldId id="259" r:id="rId5"/>
@@ -19,27 +19,32 @@
     <p:sldId id="257" r:id="rId13"/>
     <p:sldId id="267" r:id="rId14"/>
     <p:sldId id="263" r:id="rId15"/>
-    <p:sldId id="268" r:id="rId16"/>
-    <p:sldId id="264" r:id="rId17"/>
+    <p:sldId id="271" r:id="rId16"/>
+    <p:sldId id="268" r:id="rId17"/>
+    <p:sldId id="264" r:id="rId18"/>
   </p:sldIdLst>
   <p:sldSz cx="18288000" cy="10287000"/>
   <p:notesSz cx="6858000" cy="9144000"/>
   <p:embeddedFontLst>
     <p:embeddedFont>
+      <p:font typeface="Abadi" panose="020B0604020104020204" pitchFamily="34" charset="0"/>
+      <p:regular r:id="rId20"/>
+    </p:embeddedFont>
+    <p:embeddedFont>
       <p:font typeface="Bahnschrift SemiCondensed" panose="020B0502040204020203" pitchFamily="34" charset="0"/>
-      <p:regular r:id="rId19"/>
-      <p:bold r:id="rId20"/>
+      <p:regular r:id="rId21"/>
+      <p:bold r:id="rId22"/>
     </p:embeddedFont>
     <p:embeddedFont>
       <p:font typeface="Calibri" panose="020F0502020204030204" pitchFamily="34" charset="0"/>
-      <p:regular r:id="rId21"/>
-      <p:bold r:id="rId22"/>
-      <p:italic r:id="rId23"/>
-      <p:boldItalic r:id="rId24"/>
+      <p:regular r:id="rId23"/>
+      <p:bold r:id="rId24"/>
+      <p:italic r:id="rId25"/>
+      <p:boldItalic r:id="rId26"/>
     </p:embeddedFont>
     <p:embeddedFont>
       <p:font typeface="Dubai Medium" panose="020B0603030403030204" pitchFamily="34" charset="-78"/>
-      <p:regular r:id="rId25"/>
+      <p:regular r:id="rId27"/>
     </p:embeddedFont>
   </p:embeddedFontLst>
   <p:defaultTextStyle>
@@ -764,7 +769,7 @@
           <a:p>
             <a:fld id="{5B82031E-CC76-4CD4-B9E1-CA1DF7176803}" type="datetimeFigureOut">
               <a:rPr lang="en-US" smtClean="0"/>
-              <a:t>9/18/2019</a:t>
+              <a:t>9/20/2019</a:t>
             </a:fld>
             <a:endParaRPr lang="en-US"/>
           </a:p>
@@ -1211,7 +1216,7 @@
             <a:fld id="{1D8BD707-D9CF-40AE-B4C6-C98DA3205C09}" type="datetimeFigureOut">
               <a:rPr lang="en-US" smtClean="0"/>
               <a:pPr/>
-              <a:t>9/18/2019</a:t>
+              <a:t>9/20/2019</a:t>
             </a:fld>
             <a:endParaRPr lang="en-US"/>
           </a:p>
@@ -1376,7 +1381,7 @@
             <a:fld id="{1D8BD707-D9CF-40AE-B4C6-C98DA3205C09}" type="datetimeFigureOut">
               <a:rPr lang="en-US" smtClean="0"/>
               <a:pPr/>
-              <a:t>9/18/2019</a:t>
+              <a:t>9/20/2019</a:t>
             </a:fld>
             <a:endParaRPr lang="en-US"/>
           </a:p>
@@ -1551,7 +1556,7 @@
             <a:fld id="{1D8BD707-D9CF-40AE-B4C6-C98DA3205C09}" type="datetimeFigureOut">
               <a:rPr lang="en-US" smtClean="0"/>
               <a:pPr/>
-              <a:t>9/18/2019</a:t>
+              <a:t>9/20/2019</a:t>
             </a:fld>
             <a:endParaRPr lang="en-US"/>
           </a:p>
@@ -1920,7 +1925,7 @@
             <a:fld id="{1D8BD707-D9CF-40AE-B4C6-C98DA3205C09}" type="datetimeFigureOut">
               <a:rPr lang="en-US" smtClean="0"/>
               <a:pPr/>
-              <a:t>9/18/2019</a:t>
+              <a:t>9/20/2019</a:t>
             </a:fld>
             <a:endParaRPr lang="en-US"/>
           </a:p>
@@ -2202,7 +2207,7 @@
             <a:fld id="{1D8BD707-D9CF-40AE-B4C6-C98DA3205C09}" type="datetimeFigureOut">
               <a:rPr lang="en-US" smtClean="0"/>
               <a:pPr/>
-              <a:t>9/18/2019</a:t>
+              <a:t>9/20/2019</a:t>
             </a:fld>
             <a:endParaRPr lang="en-US"/>
           </a:p>
@@ -2618,7 +2623,7 @@
             <a:fld id="{1D8BD707-D9CF-40AE-B4C6-C98DA3205C09}" type="datetimeFigureOut">
               <a:rPr lang="en-US" smtClean="0"/>
               <a:pPr/>
-              <a:t>9/18/2019</a:t>
+              <a:t>9/20/2019</a:t>
             </a:fld>
             <a:endParaRPr lang="en-US"/>
           </a:p>
@@ -2732,7 +2737,7 @@
             <a:fld id="{1D8BD707-D9CF-40AE-B4C6-C98DA3205C09}" type="datetimeFigureOut">
               <a:rPr lang="en-US" smtClean="0"/>
               <a:pPr/>
-              <a:t>9/18/2019</a:t>
+              <a:t>9/20/2019</a:t>
             </a:fld>
             <a:endParaRPr lang="en-US"/>
           </a:p>
@@ -2824,7 +2829,7 @@
             <a:fld id="{1D8BD707-D9CF-40AE-B4C6-C98DA3205C09}" type="datetimeFigureOut">
               <a:rPr lang="en-US" smtClean="0"/>
               <a:pPr/>
-              <a:t>9/18/2019</a:t>
+              <a:t>9/20/2019</a:t>
             </a:fld>
             <a:endParaRPr lang="en-US"/>
           </a:p>
@@ -3096,7 +3101,7 @@
             <a:fld id="{1D8BD707-D9CF-40AE-B4C6-C98DA3205C09}" type="datetimeFigureOut">
               <a:rPr lang="en-US" smtClean="0"/>
               <a:pPr/>
-              <a:t>9/18/2019</a:t>
+              <a:t>9/20/2019</a:t>
             </a:fld>
             <a:endParaRPr lang="en-US"/>
           </a:p>
@@ -3345,7 +3350,7 @@
             <a:fld id="{1D8BD707-D9CF-40AE-B4C6-C98DA3205C09}" type="datetimeFigureOut">
               <a:rPr lang="en-US" smtClean="0"/>
               <a:pPr/>
-              <a:t>9/18/2019</a:t>
+              <a:t>9/20/2019</a:t>
             </a:fld>
             <a:endParaRPr lang="en-US"/>
           </a:p>
@@ -3562,7 +3567,7 @@
             <a:fld id="{1D8BD707-D9CF-40AE-B4C6-C98DA3205C09}" type="datetimeFigureOut">
               <a:rPr lang="en-US" smtClean="0"/>
               <a:pPr/>
-              <a:t>9/18/2019</a:t>
+              <a:t>9/20/2019</a:t>
             </a:fld>
             <a:endParaRPr lang="en-US"/>
           </a:p>
@@ -4355,6 +4360,519 @@
           <p:cNvPr id="2" name="Title 1">
             <a:extLst>
               <a:ext uri="{FF2B5EF4-FFF2-40B4-BE49-F238E27FC236}">
+                <a16:creationId xmlns:a16="http://schemas.microsoft.com/office/drawing/2014/main" id="{4A61C645-132D-4EE1-AD05-DE81FAE4F6AB}"/>
+              </a:ext>
+            </a:extLst>
+          </p:cNvPr>
+          <p:cNvSpPr>
+            <a:spLocks noGrp="1"/>
+          </p:cNvSpPr>
+          <p:nvPr>
+            <p:ph type="title"/>
+          </p:nvPr>
+        </p:nvSpPr>
+        <p:spPr/>
+        <p:txBody>
+          <a:bodyPr/>
+          <a:lstStyle/>
+          <a:p>
+            <a:r>
+              <a:rPr lang="en-US" dirty="0"/>
+              <a:t>DO NOT Forget to rate the sessions!</a:t>
+            </a:r>
+          </a:p>
+        </p:txBody>
+      </p:sp>
+      <p:sp>
+        <p:nvSpPr>
+          <p:cNvPr id="5" name="TextBox 4">
+            <a:extLst>
+              <a:ext uri="{FF2B5EF4-FFF2-40B4-BE49-F238E27FC236}">
+                <a16:creationId xmlns:a16="http://schemas.microsoft.com/office/drawing/2014/main" id="{FD7EEA8E-F9F9-482A-BFF5-56615EC71704}"/>
+              </a:ext>
+            </a:extLst>
+          </p:cNvPr>
+          <p:cNvSpPr txBox="1"/>
+          <p:nvPr/>
+        </p:nvSpPr>
+        <p:spPr>
+          <a:xfrm>
+            <a:off x="6112881" y="1982035"/>
+            <a:ext cx="5973110" cy="507831"/>
+          </a:xfrm>
+          <a:prstGeom prst="rect">
+            <a:avLst/>
+          </a:prstGeom>
+          <a:noFill/>
+        </p:spPr>
+        <p:txBody>
+          <a:bodyPr wrap="none" rtlCol="0">
+            <a:spAutoFit/>
+          </a:bodyPr>
+          <a:lstStyle/>
+          <a:p>
+            <a:r>
+              <a:rPr lang="en-US" sz="2700" dirty="0">
+                <a:latin typeface="Abadi" panose="020B0604020104020204" pitchFamily="34" charset="0"/>
+                <a:hlinkClick r:id="rId2"/>
+              </a:rPr>
+              <a:t>https://my.eventraft.com/psconfasia19</a:t>
+            </a:r>
+            <a:r>
+              <a:rPr lang="en-US" sz="2700" dirty="0">
+                <a:latin typeface="Abadi" panose="020B0604020104020204" pitchFamily="34" charset="0"/>
+              </a:rPr>
+              <a:t> </a:t>
+            </a:r>
+          </a:p>
+        </p:txBody>
+      </p:sp>
+      <p:pic>
+        <p:nvPicPr>
+          <p:cNvPr id="7" name="Picture 6" descr="A screenshot of a cell phone&#10;&#10;Description generated with very high confidence">
+            <a:extLst>
+              <a:ext uri="{FF2B5EF4-FFF2-40B4-BE49-F238E27FC236}">
+                <a16:creationId xmlns:a16="http://schemas.microsoft.com/office/drawing/2014/main" id="{C4B56B1A-790E-4A15-B301-C1BCA93088FB}"/>
+              </a:ext>
+            </a:extLst>
+          </p:cNvPr>
+          <p:cNvPicPr>
+            <a:picLocks noChangeAspect="1"/>
+          </p:cNvPicPr>
+          <p:nvPr/>
+        </p:nvPicPr>
+        <p:blipFill>
+          <a:blip r:embed="rId3">
+            <a:extLst>
+              <a:ext uri="{28A0092B-C50C-407E-A947-70E740481C1C}">
+                <a14:useLocalDpi xmlns:a14="http://schemas.microsoft.com/office/drawing/2010/main" val="0"/>
+              </a:ext>
+            </a:extLst>
+          </a:blip>
+          <a:stretch>
+            <a:fillRect/>
+          </a:stretch>
+        </p:blipFill>
+        <p:spPr>
+          <a:xfrm>
+            <a:off x="1240092" y="0"/>
+            <a:ext cx="4872789" cy="10287000"/>
+          </a:xfrm>
+          <a:prstGeom prst="rect">
+            <a:avLst/>
+          </a:prstGeom>
+        </p:spPr>
+      </p:pic>
+      <p:pic>
+        <p:nvPicPr>
+          <p:cNvPr id="9" name="Picture 8" descr="A screenshot of a cell phone&#10;&#10;Description generated with high confidence">
+            <a:extLst>
+              <a:ext uri="{FF2B5EF4-FFF2-40B4-BE49-F238E27FC236}">
+                <a16:creationId xmlns:a16="http://schemas.microsoft.com/office/drawing/2014/main" id="{F593FA9C-C143-47FC-B69F-69386E83B19E}"/>
+              </a:ext>
+            </a:extLst>
+          </p:cNvPr>
+          <p:cNvPicPr>
+            <a:picLocks noChangeAspect="1"/>
+          </p:cNvPicPr>
+          <p:nvPr/>
+        </p:nvPicPr>
+        <p:blipFill>
+          <a:blip r:embed="rId4">
+            <a:extLst>
+              <a:ext uri="{28A0092B-C50C-407E-A947-70E740481C1C}">
+                <a14:useLocalDpi xmlns:a14="http://schemas.microsoft.com/office/drawing/2010/main" val="0"/>
+              </a:ext>
+            </a:extLst>
+          </a:blip>
+          <a:stretch>
+            <a:fillRect/>
+          </a:stretch>
+        </p:blipFill>
+        <p:spPr>
+          <a:xfrm>
+            <a:off x="11249126" y="0"/>
+            <a:ext cx="4872789" cy="10287000"/>
+          </a:xfrm>
+          <a:prstGeom prst="rect">
+            <a:avLst/>
+          </a:prstGeom>
+        </p:spPr>
+      </p:pic>
+      <p:sp>
+        <p:nvSpPr>
+          <p:cNvPr id="10" name="Rectangle 9">
+            <a:extLst>
+              <a:ext uri="{FF2B5EF4-FFF2-40B4-BE49-F238E27FC236}">
+                <a16:creationId xmlns:a16="http://schemas.microsoft.com/office/drawing/2014/main" id="{D4CF0B66-F401-4042-9A5F-604988779758}"/>
+              </a:ext>
+            </a:extLst>
+          </p:cNvPr>
+          <p:cNvSpPr/>
+          <p:nvPr/>
+        </p:nvSpPr>
+        <p:spPr>
+          <a:xfrm>
+            <a:off x="4861560" y="4953000"/>
+            <a:ext cx="1251321" cy="553998"/>
+          </a:xfrm>
+          <a:prstGeom prst="rect">
+            <a:avLst/>
+          </a:prstGeom>
+          <a:noFill/>
+          <a:ln w="28575">
+            <a:solidFill>
+              <a:srgbClr val="FF0000"/>
+            </a:solidFill>
+          </a:ln>
+        </p:spPr>
+        <p:style>
+          <a:lnRef idx="2">
+            <a:schemeClr val="accent1">
+              <a:shade val="50000"/>
+            </a:schemeClr>
+          </a:lnRef>
+          <a:fillRef idx="1">
+            <a:schemeClr val="accent1"/>
+          </a:fillRef>
+          <a:effectRef idx="0">
+            <a:schemeClr val="accent1"/>
+          </a:effectRef>
+          <a:fontRef idx="minor">
+            <a:schemeClr val="lt1"/>
+          </a:fontRef>
+        </p:style>
+        <p:txBody>
+          <a:bodyPr rtlCol="0" anchor="ctr"/>
+          <a:lstStyle/>
+          <a:p>
+            <a:pPr algn="ctr"/>
+            <a:endParaRPr lang="en-US" sz="2700"/>
+          </a:p>
+        </p:txBody>
+      </p:sp>
+      <p:cxnSp>
+        <p:nvCxnSpPr>
+          <p:cNvPr id="12" name="Straight Arrow Connector 11">
+            <a:extLst>
+              <a:ext uri="{FF2B5EF4-FFF2-40B4-BE49-F238E27FC236}">
+                <a16:creationId xmlns:a16="http://schemas.microsoft.com/office/drawing/2014/main" id="{EB13E0FD-CF8F-4CEE-B07B-CE0CCEF6831C}"/>
+              </a:ext>
+            </a:extLst>
+          </p:cNvPr>
+          <p:cNvCxnSpPr>
+            <a:cxnSpLocks/>
+            <a:stCxn id="10" idx="3"/>
+          </p:cNvCxnSpPr>
+          <p:nvPr/>
+        </p:nvCxnSpPr>
+        <p:spPr>
+          <a:xfrm>
+            <a:off x="6112881" y="5229999"/>
+            <a:ext cx="4872789" cy="0"/>
+          </a:xfrm>
+          <a:prstGeom prst="straightConnector1">
+            <a:avLst/>
+          </a:prstGeom>
+          <a:ln w="19050">
+            <a:solidFill>
+              <a:srgbClr val="FF0000"/>
+            </a:solidFill>
+            <a:tailEnd type="triangle"/>
+          </a:ln>
+        </p:spPr>
+        <p:style>
+          <a:lnRef idx="1">
+            <a:schemeClr val="accent1"/>
+          </a:lnRef>
+          <a:fillRef idx="0">
+            <a:schemeClr val="accent1"/>
+          </a:fillRef>
+          <a:effectRef idx="0">
+            <a:schemeClr val="accent1"/>
+          </a:effectRef>
+          <a:fontRef idx="minor">
+            <a:schemeClr val="tx1"/>
+          </a:fontRef>
+        </p:style>
+      </p:cxnSp>
+      <p:pic>
+        <p:nvPicPr>
+          <p:cNvPr id="14" name="Picture 2" descr="Image result for psconfasia">
+            <a:extLst>
+              <a:ext uri="{FF2B5EF4-FFF2-40B4-BE49-F238E27FC236}">
+                <a16:creationId xmlns:a16="http://schemas.microsoft.com/office/drawing/2014/main" id="{24CD2FE5-DF34-4B67-94D5-9CAA94936C69}"/>
+              </a:ext>
+            </a:extLst>
+          </p:cNvPr>
+          <p:cNvPicPr>
+            <a:picLocks noChangeAspect="1" noChangeArrowheads="1"/>
+          </p:cNvPicPr>
+          <p:nvPr/>
+        </p:nvPicPr>
+        <p:blipFill>
+          <a:blip r:embed="rId5">
+            <a:extLst>
+              <a:ext uri="{28A0092B-C50C-407E-A947-70E740481C1C}">
+                <a14:useLocalDpi xmlns:a14="http://schemas.microsoft.com/office/drawing/2010/main" val="0"/>
+              </a:ext>
+            </a:extLst>
+          </a:blip>
+          <a:srcRect/>
+          <a:stretch>
+            <a:fillRect/>
+          </a:stretch>
+        </p:blipFill>
+        <p:spPr bwMode="auto">
+          <a:xfrm>
+            <a:off x="16460975" y="8561265"/>
+            <a:ext cx="1725735" cy="1725735"/>
+          </a:xfrm>
+          <a:prstGeom prst="rect">
+            <a:avLst/>
+          </a:prstGeom>
+          <a:noFill/>
+          <a:extLst>
+            <a:ext uri="{909E8E84-426E-40DD-AFC4-6F175D3DCCD1}">
+              <a14:hiddenFill xmlns:a14="http://schemas.microsoft.com/office/drawing/2010/main">
+                <a:solidFill>
+                  <a:srgbClr val="FFFFFF"/>
+                </a:solidFill>
+              </a14:hiddenFill>
+            </a:ext>
+          </a:extLst>
+        </p:spPr>
+      </p:pic>
+    </p:spTree>
+    <p:extLst>
+      <p:ext uri="{BB962C8B-B14F-4D97-AF65-F5344CB8AC3E}">
+        <p14:creationId xmlns:p14="http://schemas.microsoft.com/office/powerpoint/2010/main" val="1680608630"/>
+      </p:ext>
+    </p:extLst>
+  </p:cSld>
+  <p:clrMapOvr>
+    <a:masterClrMapping/>
+  </p:clrMapOvr>
+  <p:timing>
+    <p:tnLst>
+      <p:par>
+        <p:cTn id="1" dur="indefinite" restart="never" nodeType="tmRoot">
+          <p:childTnLst>
+            <p:seq concurrent="1" nextAc="seek">
+              <p:cTn id="2" dur="indefinite" nodeType="mainSeq">
+                <p:childTnLst>
+                  <p:par>
+                    <p:cTn id="3" fill="hold">
+                      <p:stCondLst>
+                        <p:cond delay="indefinite"/>
+                      </p:stCondLst>
+                      <p:childTnLst>
+                        <p:par>
+                          <p:cTn id="4" fill="hold">
+                            <p:stCondLst>
+                              <p:cond delay="0"/>
+                            </p:stCondLst>
+                            <p:childTnLst>
+                              <p:par>
+                                <p:cTn id="5" presetID="1" presetClass="entr" presetSubtype="0" fill="hold" nodeType="clickEffect">
+                                  <p:stCondLst>
+                                    <p:cond delay="0"/>
+                                  </p:stCondLst>
+                                  <p:childTnLst>
+                                    <p:set>
+                                      <p:cBhvr>
+                                        <p:cTn id="6" dur="1" fill="hold">
+                                          <p:stCondLst>
+                                            <p:cond delay="0"/>
+                                          </p:stCondLst>
+                                        </p:cTn>
+                                        <p:tgtEl>
+                                          <p:spTgt spid="7"/>
+                                        </p:tgtEl>
+                                        <p:attrNameLst>
+                                          <p:attrName>style.visibility</p:attrName>
+                                        </p:attrNameLst>
+                                      </p:cBhvr>
+                                      <p:to>
+                                        <p:strVal val="visible"/>
+                                      </p:to>
+                                    </p:set>
+                                  </p:childTnLst>
+                                </p:cTn>
+                              </p:par>
+                            </p:childTnLst>
+                          </p:cTn>
+                        </p:par>
+                      </p:childTnLst>
+                    </p:cTn>
+                  </p:par>
+                  <p:par>
+                    <p:cTn id="7" fill="hold">
+                      <p:stCondLst>
+                        <p:cond delay="indefinite"/>
+                      </p:stCondLst>
+                      <p:childTnLst>
+                        <p:par>
+                          <p:cTn id="8" fill="hold">
+                            <p:stCondLst>
+                              <p:cond delay="0"/>
+                            </p:stCondLst>
+                            <p:childTnLst>
+                              <p:par>
+                                <p:cTn id="9" presetID="1" presetClass="entr" presetSubtype="0" fill="hold" grpId="0" nodeType="clickEffect">
+                                  <p:stCondLst>
+                                    <p:cond delay="0"/>
+                                  </p:stCondLst>
+                                  <p:childTnLst>
+                                    <p:set>
+                                      <p:cBhvr>
+                                        <p:cTn id="10" dur="1" fill="hold">
+                                          <p:stCondLst>
+                                            <p:cond delay="0"/>
+                                          </p:stCondLst>
+                                        </p:cTn>
+                                        <p:tgtEl>
+                                          <p:spTgt spid="10"/>
+                                        </p:tgtEl>
+                                        <p:attrNameLst>
+                                          <p:attrName>style.visibility</p:attrName>
+                                        </p:attrNameLst>
+                                      </p:cBhvr>
+                                      <p:to>
+                                        <p:strVal val="visible"/>
+                                      </p:to>
+                                    </p:set>
+                                  </p:childTnLst>
+                                </p:cTn>
+                              </p:par>
+                              <p:par>
+                                <p:cTn id="11" presetID="1" presetClass="entr" presetSubtype="0" fill="hold" nodeType="withEffect">
+                                  <p:stCondLst>
+                                    <p:cond delay="0"/>
+                                  </p:stCondLst>
+                                  <p:childTnLst>
+                                    <p:set>
+                                      <p:cBhvr>
+                                        <p:cTn id="12" dur="1" fill="hold">
+                                          <p:stCondLst>
+                                            <p:cond delay="0"/>
+                                          </p:stCondLst>
+                                        </p:cTn>
+                                        <p:tgtEl>
+                                          <p:spTgt spid="12"/>
+                                        </p:tgtEl>
+                                        <p:attrNameLst>
+                                          <p:attrName>style.visibility</p:attrName>
+                                        </p:attrNameLst>
+                                      </p:cBhvr>
+                                      <p:to>
+                                        <p:strVal val="visible"/>
+                                      </p:to>
+                                    </p:set>
+                                  </p:childTnLst>
+                                </p:cTn>
+                              </p:par>
+                            </p:childTnLst>
+                          </p:cTn>
+                        </p:par>
+                      </p:childTnLst>
+                    </p:cTn>
+                  </p:par>
+                  <p:par>
+                    <p:cTn id="13" fill="hold">
+                      <p:stCondLst>
+                        <p:cond delay="indefinite"/>
+                      </p:stCondLst>
+                      <p:childTnLst>
+                        <p:par>
+                          <p:cTn id="14" fill="hold">
+                            <p:stCondLst>
+                              <p:cond delay="0"/>
+                            </p:stCondLst>
+                            <p:childTnLst>
+                              <p:par>
+                                <p:cTn id="15" presetID="1" presetClass="entr" presetSubtype="0" fill="hold" nodeType="clickEffect">
+                                  <p:stCondLst>
+                                    <p:cond delay="0"/>
+                                  </p:stCondLst>
+                                  <p:childTnLst>
+                                    <p:set>
+                                      <p:cBhvr>
+                                        <p:cTn id="16" dur="1" fill="hold">
+                                          <p:stCondLst>
+                                            <p:cond delay="0"/>
+                                          </p:stCondLst>
+                                        </p:cTn>
+                                        <p:tgtEl>
+                                          <p:spTgt spid="9"/>
+                                        </p:tgtEl>
+                                        <p:attrNameLst>
+                                          <p:attrName>style.visibility</p:attrName>
+                                        </p:attrNameLst>
+                                      </p:cBhvr>
+                                      <p:to>
+                                        <p:strVal val="visible"/>
+                                      </p:to>
+                                    </p:set>
+                                  </p:childTnLst>
+                                </p:cTn>
+                              </p:par>
+                            </p:childTnLst>
+                          </p:cTn>
+                        </p:par>
+                      </p:childTnLst>
+                    </p:cTn>
+                  </p:par>
+                </p:childTnLst>
+              </p:cTn>
+              <p:prevCondLst>
+                <p:cond evt="onPrev" delay="0">
+                  <p:tgtEl>
+                    <p:sldTgt/>
+                  </p:tgtEl>
+                </p:cond>
+              </p:prevCondLst>
+              <p:nextCondLst>
+                <p:cond evt="onNext" delay="0">
+                  <p:tgtEl>
+                    <p:sldTgt/>
+                  </p:tgtEl>
+                </p:cond>
+              </p:nextCondLst>
+            </p:seq>
+          </p:childTnLst>
+        </p:cTn>
+      </p:par>
+    </p:tnLst>
+    <p:bldLst>
+      <p:bldP spid="10" grpId="0" animBg="1"/>
+    </p:bldLst>
+  </p:timing>
+</p:sld>
+</file>
+
+<file path=ppt/slides/slide13.xml><?xml version="1.0" encoding="utf-8"?>
+<p:sld xmlns:a="http://schemas.openxmlformats.org/drawingml/2006/main" xmlns:r="http://schemas.openxmlformats.org/officeDocument/2006/relationships" xmlns:p="http://schemas.openxmlformats.org/presentationml/2006/main">
+  <p:cSld>
+    <p:spTree>
+      <p:nvGrpSpPr>
+        <p:cNvPr id="1" name=""/>
+        <p:cNvGrpSpPr/>
+        <p:nvPr/>
+      </p:nvGrpSpPr>
+      <p:grpSpPr>
+        <a:xfrm>
+          <a:off x="0" y="0"/>
+          <a:ext cx="0" cy="0"/>
+          <a:chOff x="0" y="0"/>
+          <a:chExt cx="0" cy="0"/>
+        </a:xfrm>
+      </p:grpSpPr>
+      <p:sp>
+        <p:nvSpPr>
+          <p:cNvPr id="2" name="Title 1">
+            <a:extLst>
+              <a:ext uri="{FF2B5EF4-FFF2-40B4-BE49-F238E27FC236}">
                 <a16:creationId xmlns:a16="http://schemas.microsoft.com/office/drawing/2014/main" id="{497972A0-0FE1-4DE5-98D1-B646F41BFD95}"/>
               </a:ext>
             </a:extLst>
@@ -4513,7 +5031,7 @@
 </p:sld>
 </file>
 
-<file path=ppt/slides/slide13.xml><?xml version="1.0" encoding="utf-8"?>
+<file path=ppt/slides/slide14.xml><?xml version="1.0" encoding="utf-8"?>
 <p:sld xmlns:a="http://schemas.openxmlformats.org/drawingml/2006/main" xmlns:r="http://schemas.openxmlformats.org/officeDocument/2006/relationships" xmlns:p="http://schemas.openxmlformats.org/presentationml/2006/main">
   <p:cSld>
     <p:spTree>
@@ -6094,15 +6612,6 @@
 </file>
 
 <file path=customXml/item1.xml><?xml version="1.0" encoding="utf-8"?>
-<?mso-contentType ?>
-<FormTemplates xmlns="http://schemas.microsoft.com/sharepoint/v3/contenttype/forms">
-  <Display>DocumentLibraryForm</Display>
-  <Edit>DocumentLibraryForm</Edit>
-  <New>DocumentLibraryForm</New>
-</FormTemplates>
-</file>
-
-<file path=customXml/item2.xml><?xml version="1.0" encoding="utf-8"?>
 <ct:contentTypeSchema xmlns:ct="http://schemas.microsoft.com/office/2006/metadata/contentType" xmlns:ma="http://schemas.microsoft.com/office/2006/metadata/properties/metaAttributes" ct:_="" ma:_="" ma:contentTypeName="Document" ma:contentTypeID="0x010100B0A21EB835ADFE41B16ED438530004E8" ma:contentTypeVersion="17" ma:contentTypeDescription="Create a new document." ma:contentTypeScope="" ma:versionID="b5dee6d0802e72a5adfce5d87ce53ea8">
   <xsd:schema xmlns:xsd="http://www.w3.org/2001/XMLSchema" xmlns:xs="http://www.w3.org/2001/XMLSchema" xmlns:p="http://schemas.microsoft.com/office/2006/metadata/properties" xmlns:ns1="http://schemas.microsoft.com/sharepoint/v3" xmlns:ns3="e6e5be67-0c7d-4592-a384-17b077a17d15" xmlns:ns4="91d51afe-0cfc-4a39-837f-c567c9a5d6de" targetNamespace="http://schemas.microsoft.com/office/2006/metadata/properties" ma:root="true" ma:fieldsID="7c1b386d8b0918b4b1fd7d6551fb56bc" ns1:_="" ns3:_="" ns4:_="">
     <xsd:import namespace="http://schemas.microsoft.com/sharepoint/v3"/>
@@ -6356,6 +6865,15 @@
 </ct:contentTypeSchema>
 </file>
 
+<file path=customXml/item2.xml><?xml version="1.0" encoding="utf-8"?>
+<?mso-contentType ?>
+<FormTemplates xmlns="http://schemas.microsoft.com/sharepoint/v3/contenttype/forms">
+  <Display>DocumentLibraryForm</Display>
+  <Edit>DocumentLibraryForm</Edit>
+  <New>DocumentLibraryForm</New>
+</FormTemplates>
+</file>
+
 <file path=customXml/item3.xml><?xml version="1.0" encoding="utf-8"?>
 <p:properties xmlns:p="http://schemas.microsoft.com/office/2006/metadata/properties" xmlns:xsi="http://www.w3.org/2001/XMLSchema-instance" xmlns:pc="http://schemas.microsoft.com/office/infopath/2007/PartnerControls">
   <documentManagement>
@@ -6367,14 +6885,6 @@
 </file>
 
 <file path=customXml/itemProps1.xml><?xml version="1.0" encoding="utf-8"?>
-<ds:datastoreItem xmlns:ds="http://schemas.openxmlformats.org/officeDocument/2006/customXml" ds:itemID="{86C28493-A7A7-4FD8-89D9-DBF31478ED40}">
-  <ds:schemaRefs>
-    <ds:schemaRef ds:uri="http://schemas.microsoft.com/sharepoint/v3/contenttype/forms"/>
-  </ds:schemaRefs>
-</ds:datastoreItem>
-</file>
-
-<file path=customXml/itemProps2.xml><?xml version="1.0" encoding="utf-8"?>
 <ds:datastoreItem xmlns:ds="http://schemas.openxmlformats.org/officeDocument/2006/customXml" ds:itemID="{DBB61BDC-35A5-4312-9B09-A4F32413A996}">
   <ds:schemaRefs>
     <ds:schemaRef ds:uri="http://schemas.microsoft.com/office/2006/metadata/contentType"/>
@@ -6394,6 +6904,14 @@
 </ds:datastoreItem>
 </file>
 
+<file path=customXml/itemProps2.xml><?xml version="1.0" encoding="utf-8"?>
+<ds:datastoreItem xmlns:ds="http://schemas.openxmlformats.org/officeDocument/2006/customXml" ds:itemID="{86C28493-A7A7-4FD8-89D9-DBF31478ED40}">
+  <ds:schemaRefs>
+    <ds:schemaRef ds:uri="http://schemas.microsoft.com/sharepoint/v3/contenttype/forms"/>
+  </ds:schemaRefs>
+</ds:datastoreItem>
+</file>
+
 <file path=customXml/itemProps3.xml><?xml version="1.0" encoding="utf-8"?>
 <ds:datastoreItem xmlns:ds="http://schemas.openxmlformats.org/officeDocument/2006/customXml" ds:itemID="{74698B4D-8590-4960-BEF5-0DC0C86733DD}">
   <ds:schemaRefs>
